--- a/training-cards/agile moves/Scrum (SCR)/ger/apprentice/ger_SCR_09_Dauerlauf_mit_Sprints_AM_A.pptx
+++ b/training-cards/agile moves/Scrum (SCR)/ger/apprentice/ger_SCR_09_Dauerlauf_mit_Sprints_AM_A.pptx
@@ -105,6 +105,22 @@
       </a:defRPr>
     </a:lvl9pPr>
   </p:defaultTextStyle>
+  <p:extLst>
+    <p:ext uri="{EFAFB233-063F-42B5-8137-9DF3F51BA10A}">
+      <p15:sldGuideLst xmlns:p15="http://schemas.microsoft.com/office/powerpoint/2012/main">
+        <p15:guide id="1" orient="horz" pos="1103">
+          <p15:clr>
+            <a:srgbClr val="A4A3A4"/>
+          </p15:clr>
+        </p15:guide>
+        <p15:guide id="2" pos="772">
+          <p15:clr>
+            <a:srgbClr val="A4A3A4"/>
+          </p15:clr>
+        </p15:guide>
+      </p15:sldGuideLst>
+    </p:ext>
+  </p:extLst>
 </p:presentation>
 </file>
 
@@ -526,6 +542,162 @@
           </a:p>
         </p:txBody>
       </p:sp>
+      <p:sp>
+        <p:nvSpPr>
+          <p:cNvPr id="4" name="Textfeld 3"/>
+          <p:cNvSpPr txBox="1"/>
+          <p:nvPr userDrawn="1"/>
+        </p:nvSpPr>
+        <p:spPr>
+          <a:xfrm>
+            <a:off x="239285" y="4936890"/>
+            <a:ext cx="1044856" cy="276999"/>
+          </a:xfrm>
+          <a:prstGeom prst="rect">
+            <a:avLst/>
+          </a:prstGeom>
+          <a:noFill/>
+        </p:spPr>
+        <p:txBody>
+          <a:bodyPr wrap="square" rtlCol="0">
+            <a:spAutoFit/>
+          </a:bodyPr>
+          <a:lstStyle/>
+          <a:p>
+            <a:r>
+              <a:rPr lang="de-DE" sz="600" dirty="0">
+                <a:solidFill>
+                  <a:srgbClr val="5D5E5F"/>
+                </a:solidFill>
+                <a:latin typeface="Avenir Light"/>
+                <a:cs typeface="Avenir Light"/>
+              </a:rPr>
+              <a:t>Letzte Änderung: </a:t>
+            </a:r>
+            <a:fld id="{7A8C7DAC-E536-564C-B5B3-90E8FAB50562}" type="datetime1">
+              <a:rPr lang="de-DE" sz="600" smtClean="0">
+                <a:solidFill>
+                  <a:srgbClr val="5D5E5F"/>
+                </a:solidFill>
+                <a:latin typeface="Avenir Light"/>
+                <a:cs typeface="Avenir Light"/>
+              </a:rPr>
+              <a:t>04.11.15</a:t>
+            </a:fld>
+            <a:endParaRPr lang="de-DE" sz="600" dirty="0">
+              <a:solidFill>
+                <a:srgbClr val="5D5E5F"/>
+              </a:solidFill>
+              <a:latin typeface="Avenir Light"/>
+              <a:cs typeface="Avenir Light"/>
+            </a:endParaRPr>
+          </a:p>
+        </p:txBody>
+      </p:sp>
+      <p:sp>
+        <p:nvSpPr>
+          <p:cNvPr id="5" name="Shape 7"/>
+          <p:cNvSpPr/>
+          <p:nvPr userDrawn="1"/>
+        </p:nvSpPr>
+        <p:spPr>
+          <a:xfrm>
+            <a:off x="1619767" y="4952581"/>
+            <a:ext cx="4164935" cy="276995"/>
+          </a:xfrm>
+          <a:prstGeom prst="rect">
+            <a:avLst/>
+          </a:prstGeom>
+          <a:ln w="12700">
+            <a:miter lim="400000"/>
+          </a:ln>
+          <a:extLst>
+            <a:ext uri="{C572A759-6A51-4108-AA02-DFA0A04FC94B}">
+              <ma14:wrappingTextBoxFlag xmlns:ma14="http://schemas.microsoft.com/office/mac/drawingml/2011/main" val="1"/>
+            </a:ext>
+          </a:extLst>
+        </p:spPr>
+        <p:txBody>
+          <a:bodyPr wrap="none" lIns="45718" tIns="45718" rIns="45718" bIns="45718">
+            <a:spAutoFit/>
+          </a:bodyPr>
+          <a:lstStyle/>
+          <a:p>
+            <a:pPr lvl="0" algn="ctr">
+              <a:defRPr sz="1800"/>
+            </a:pPr>
+            <a:r>
+              <a:rPr sz="600" dirty="0">
+                <a:latin typeface="Avenir Light"/>
+                <a:ea typeface="Calibri"/>
+                <a:cs typeface="Avenir Light"/>
+                <a:sym typeface="Calibri"/>
+              </a:rPr>
+              <a:t>This work is licensed under the Creative Commons Attribution-NonCommercial-NoDerivatives 4.0 International License. </a:t>
+            </a:r>
+          </a:p>
+          <a:p>
+            <a:pPr lvl="0" algn="ctr">
+              <a:defRPr sz="1800"/>
+            </a:pPr>
+            <a:r>
+              <a:rPr sz="600" dirty="0">
+                <a:latin typeface="Avenir Light"/>
+                <a:ea typeface="Calibri"/>
+                <a:cs typeface="Avenir Light"/>
+                <a:sym typeface="Calibri"/>
+              </a:rPr>
+              <a:t>To view a copy of this license, visit </a:t>
+            </a:r>
+            <a:r>
+              <a:rPr sz="600" dirty="0">
+                <a:latin typeface="Avenir Light"/>
+                <a:ea typeface="Calibri"/>
+                <a:cs typeface="Avenir Light"/>
+                <a:sym typeface="Calibri"/>
+                <a:hlinkClick r:id="rId2"/>
+              </a:rPr>
+              <a:t>http://creativecommons.org/licenses/by-nc-nd/4.0/</a:t>
+            </a:r>
+            <a:r>
+              <a:rPr sz="600" dirty="0">
+                <a:latin typeface="Avenir Light"/>
+                <a:ea typeface="Calibri"/>
+                <a:cs typeface="Avenir Light"/>
+                <a:sym typeface="Calibri"/>
+              </a:rPr>
+              <a:t>.</a:t>
+            </a:r>
+          </a:p>
+        </p:txBody>
+      </p:sp>
+      <p:pic>
+        <p:nvPicPr>
+          <p:cNvPr id="6" name="pasted-image.tif"/>
+          <p:cNvPicPr/>
+          <p:nvPr userDrawn="1"/>
+        </p:nvPicPr>
+        <p:blipFill>
+          <a:blip r:embed="rId3">
+            <a:extLst/>
+          </a:blip>
+          <a:stretch>
+            <a:fillRect/>
+          </a:stretch>
+        </p:blipFill>
+        <p:spPr>
+          <a:xfrm>
+            <a:off x="6174185" y="4992838"/>
+            <a:ext cx="886619" cy="214128"/>
+          </a:xfrm>
+          <a:prstGeom prst="rect">
+            <a:avLst/>
+          </a:prstGeom>
+          <a:ln w="12700">
+            <a:miter lim="400000"/>
+          </a:ln>
+        </p:spPr>
+      </p:pic>
     </p:spTree>
     <p:extLst>
       <p:ext uri="{BB962C8B-B14F-4D97-AF65-F5344CB8AC3E}">
@@ -725,7 +897,7 @@
           <a:p>
             <a:fld id="{FF5B2BAF-DF38-0A48-A798-0C06E514FD52}" type="datetimeFigureOut">
               <a:rPr lang="de-DE" smtClean="0"/>
-              <a:t>07.06.15</a:t>
+              <a:t>04.11.15</a:t>
             </a:fld>
             <a:endParaRPr lang="de-DE" dirty="0"/>
           </a:p>
@@ -995,7 +1167,7 @@
           <a:p>
             <a:fld id="{FF5B2BAF-DF38-0A48-A798-0C06E514FD52}" type="datetimeFigureOut">
               <a:rPr lang="de-DE" smtClean="0"/>
-              <a:t>07.06.15</a:t>
+              <a:t>04.11.15</a:t>
             </a:fld>
             <a:endParaRPr lang="de-DE" dirty="0"/>
           </a:p>
@@ -1226,17 +1398,7 @@
                 <a:latin typeface="Avenir Heavy"/>
                 <a:cs typeface="Avenir Heavy"/>
               </a:rPr>
-              <a:t>SCR </a:t>
-            </a:r>
-            <a:r>
-              <a:rPr lang="de-DE" sz="1050" b="1" smtClean="0">
-                <a:solidFill>
-                  <a:schemeClr val="bg1"/>
-                </a:solidFill>
-                <a:latin typeface="Avenir Heavy"/>
-                <a:cs typeface="Avenir Heavy"/>
-              </a:rPr>
-              <a:t>09</a:t>
+              <a:t>SCR 09</a:t>
             </a:r>
             <a:endParaRPr lang="de-DE" sz="1050" b="1" dirty="0">
               <a:solidFill>
@@ -1787,6 +1949,208 @@
           </a:p>
         </p:txBody>
       </p:sp>
+      <p:sp>
+        <p:nvSpPr>
+          <p:cNvPr id="6" name="Textplatzhalter 2"/>
+          <p:cNvSpPr txBox="1">
+            <a:spLocks/>
+          </p:cNvSpPr>
+          <p:nvPr/>
+        </p:nvSpPr>
+        <p:spPr>
+          <a:xfrm>
+            <a:off x="1166813" y="1222519"/>
+            <a:ext cx="5293998" cy="462332"/>
+          </a:xfrm>
+          <a:prstGeom prst="rect">
+            <a:avLst/>
+          </a:prstGeom>
+        </p:spPr>
+        <p:txBody>
+          <a:bodyPr/>
+          <a:lstStyle>
+            <a:lvl1pPr marL="263525" indent="-263525" algn="l" defTabSz="403388" rtl="0" eaLnBrk="1" latinLnBrk="0" hangingPunct="1">
+              <a:spcBef>
+                <a:spcPct val="20000"/>
+              </a:spcBef>
+              <a:buClr>
+                <a:srgbClr val="1191D1"/>
+              </a:buClr>
+              <a:buSzPct val="190000"/>
+              <a:buFontTx/>
+              <a:buBlip>
+                <a:blip r:embed="rId2"/>
+              </a:buBlip>
+              <a:defRPr sz="1000" kern="1200">
+                <a:solidFill>
+                  <a:srgbClr val="5D5E5F"/>
+                </a:solidFill>
+                <a:latin typeface="Avenir Light"/>
+                <a:ea typeface="+mn-ea"/>
+                <a:cs typeface="Avenir Light"/>
+              </a:defRPr>
+            </a:lvl1pPr>
+            <a:lvl2pPr marL="630238" indent="-227013" algn="l" defTabSz="403388" rtl="0" eaLnBrk="1" latinLnBrk="0" hangingPunct="1">
+              <a:spcBef>
+                <a:spcPct val="20000"/>
+              </a:spcBef>
+              <a:buClr>
+                <a:srgbClr val="1191D1"/>
+              </a:buClr>
+              <a:buSzPct val="190000"/>
+              <a:buFontTx/>
+              <a:buBlip>
+                <a:blip r:embed="rId2"/>
+              </a:buBlip>
+              <a:defRPr sz="1000" kern="1200">
+                <a:solidFill>
+                  <a:srgbClr val="5D5E5F"/>
+                </a:solidFill>
+                <a:latin typeface="Avenir Light"/>
+                <a:ea typeface="+mn-ea"/>
+                <a:cs typeface="Avenir Light"/>
+              </a:defRPr>
+            </a:lvl2pPr>
+            <a:lvl3pPr marL="1008469" indent="-201694" algn="l" defTabSz="403388" rtl="0" eaLnBrk="1" latinLnBrk="0" hangingPunct="1">
+              <a:spcBef>
+                <a:spcPct val="20000"/>
+              </a:spcBef>
+              <a:buClr>
+                <a:srgbClr val="1191D1"/>
+              </a:buClr>
+              <a:buSzPct val="190000"/>
+              <a:buFontTx/>
+              <a:buBlip>
+                <a:blip r:embed="rId2"/>
+              </a:buBlip>
+              <a:defRPr sz="1000" kern="1200">
+                <a:solidFill>
+                  <a:srgbClr val="5D5E5F"/>
+                </a:solidFill>
+                <a:latin typeface="Avenir Light"/>
+                <a:ea typeface="+mn-ea"/>
+                <a:cs typeface="Avenir Light"/>
+              </a:defRPr>
+            </a:lvl3pPr>
+            <a:lvl4pPr marL="1411856" indent="-201694" algn="l" defTabSz="403388" rtl="0" eaLnBrk="1" latinLnBrk="0" hangingPunct="1">
+              <a:spcBef>
+                <a:spcPct val="20000"/>
+              </a:spcBef>
+              <a:buClr>
+                <a:srgbClr val="1191D1"/>
+              </a:buClr>
+              <a:buSzPct val="190000"/>
+              <a:buFontTx/>
+              <a:buBlip>
+                <a:blip r:embed="rId2"/>
+              </a:buBlip>
+              <a:defRPr sz="1000" kern="1200">
+                <a:solidFill>
+                  <a:srgbClr val="5D5E5F"/>
+                </a:solidFill>
+                <a:latin typeface="Avenir Light"/>
+                <a:ea typeface="+mn-ea"/>
+                <a:cs typeface="Avenir Light"/>
+              </a:defRPr>
+            </a:lvl4pPr>
+            <a:lvl5pPr marL="1815244" indent="-201694" algn="l" defTabSz="403388" rtl="0" eaLnBrk="1" latinLnBrk="0" hangingPunct="1">
+              <a:spcBef>
+                <a:spcPct val="20000"/>
+              </a:spcBef>
+              <a:buClr>
+                <a:srgbClr val="1191D1"/>
+              </a:buClr>
+              <a:buSzPct val="190000"/>
+              <a:buFontTx/>
+              <a:buBlip>
+                <a:blip r:embed="rId2"/>
+              </a:buBlip>
+              <a:defRPr sz="1000" kern="1200">
+                <a:solidFill>
+                  <a:srgbClr val="5D5E5F"/>
+                </a:solidFill>
+                <a:latin typeface="Avenir Light"/>
+                <a:ea typeface="+mn-ea"/>
+                <a:cs typeface="Avenir Light"/>
+              </a:defRPr>
+            </a:lvl5pPr>
+            <a:lvl6pPr marL="2218632" indent="-201694" algn="l" defTabSz="403388" rtl="0" eaLnBrk="1" latinLnBrk="0" hangingPunct="1">
+              <a:spcBef>
+                <a:spcPct val="20000"/>
+              </a:spcBef>
+              <a:buFont typeface="Arial"/>
+              <a:buChar char="•"/>
+              <a:defRPr sz="1800" kern="1200">
+                <a:solidFill>
+                  <a:schemeClr val="tx1"/>
+                </a:solidFill>
+                <a:latin typeface="+mn-lt"/>
+                <a:ea typeface="+mn-ea"/>
+                <a:cs typeface="+mn-cs"/>
+              </a:defRPr>
+            </a:lvl6pPr>
+            <a:lvl7pPr marL="2622019" indent="-201694" algn="l" defTabSz="403388" rtl="0" eaLnBrk="1" latinLnBrk="0" hangingPunct="1">
+              <a:spcBef>
+                <a:spcPct val="20000"/>
+              </a:spcBef>
+              <a:buFont typeface="Arial"/>
+              <a:buChar char="•"/>
+              <a:defRPr sz="1800" kern="1200">
+                <a:solidFill>
+                  <a:schemeClr val="tx1"/>
+                </a:solidFill>
+                <a:latin typeface="+mn-lt"/>
+                <a:ea typeface="+mn-ea"/>
+                <a:cs typeface="+mn-cs"/>
+              </a:defRPr>
+            </a:lvl7pPr>
+            <a:lvl8pPr marL="3025407" indent="-201694" algn="l" defTabSz="403388" rtl="0" eaLnBrk="1" latinLnBrk="0" hangingPunct="1">
+              <a:spcBef>
+                <a:spcPct val="20000"/>
+              </a:spcBef>
+              <a:buFont typeface="Arial"/>
+              <a:buChar char="•"/>
+              <a:defRPr sz="1800" kern="1200">
+                <a:solidFill>
+                  <a:schemeClr val="tx1"/>
+                </a:solidFill>
+                <a:latin typeface="+mn-lt"/>
+                <a:ea typeface="+mn-ea"/>
+                <a:cs typeface="+mn-cs"/>
+              </a:defRPr>
+            </a:lvl8pPr>
+            <a:lvl9pPr marL="3428794" indent="-201694" algn="l" defTabSz="403388" rtl="0" eaLnBrk="1" latinLnBrk="0" hangingPunct="1">
+              <a:spcBef>
+                <a:spcPct val="20000"/>
+              </a:spcBef>
+              <a:buFont typeface="Arial"/>
+              <a:buChar char="•"/>
+              <a:defRPr sz="1800" kern="1200">
+                <a:solidFill>
+                  <a:schemeClr val="tx1"/>
+                </a:solidFill>
+                <a:latin typeface="+mn-lt"/>
+                <a:ea typeface="+mn-ea"/>
+                <a:cs typeface="+mn-cs"/>
+              </a:defRPr>
+            </a:lvl9pPr>
+          </a:lstStyle>
+          <a:p>
+            <a:pPr marL="0" indent="0">
+              <a:buNone/>
+            </a:pPr>
+            <a:r>
+              <a:rPr lang="de-DE" cap="all" dirty="0" smtClean="0"/>
+              <a:t>Regina </a:t>
+            </a:r>
+            <a:r>
+              <a:rPr lang="de-DE" cap="all" dirty="0" err="1" smtClean="0"/>
+              <a:t>Brandhuber</a:t>
+            </a:r>
+            <a:endParaRPr lang="de-DE" cap="all" dirty="0"/>
+          </a:p>
+        </p:txBody>
+      </p:sp>
     </p:spTree>
     <p:extLst>
       <p:ext uri="{BB962C8B-B14F-4D97-AF65-F5344CB8AC3E}">
@@ -1917,18 +2281,14 @@
               <a:buChar char="§"/>
             </a:pPr>
             <a:r>
-              <a:rPr lang="de-DE" sz="1200" smtClean="0"/>
+              <a:rPr lang="de-DE" sz="1200" dirty="0" smtClean="0"/>
               <a:t>nach </a:t>
             </a:r>
             <a:r>
               <a:rPr lang="de-DE" sz="1200" dirty="0"/>
-              <a:t>dem Sprint eine Demo </a:t>
-            </a:r>
-            <a:r>
-              <a:rPr lang="de-DE" sz="1200"/>
-              <a:t>und </a:t>
-            </a:r>
-            <a:endParaRPr lang="de-DE" sz="1200" smtClean="0"/>
+              <a:t>dem Sprint eine Demo und </a:t>
+            </a:r>
+            <a:endParaRPr lang="de-DE" sz="1200" dirty="0" smtClean="0"/>
           </a:p>
           <a:p>
             <a:pPr lvl="1">
